--- a/2021_2_data_architect/DA_13_miscellaneous.pptx
+++ b/2021_2_data_architect/DA_13_miscellaneous.pptx
@@ -5,7 +5,7 @@
     <p:sldMasterId id="2147483648" r:id="rId1"/>
   </p:sldMasterIdLst>
   <p:notesMasterIdLst>
-    <p:notesMasterId r:id="rId22"/>
+    <p:notesMasterId r:id="rId23"/>
   </p:notesMasterIdLst>
   <p:sldIdLst>
     <p:sldId id="260" r:id="rId2"/>
@@ -28,6 +28,7 @@
     <p:sldId id="273" r:id="rId19"/>
     <p:sldId id="274" r:id="rId20"/>
     <p:sldId id="275" r:id="rId21"/>
+    <p:sldId id="276" r:id="rId22"/>
   </p:sldIdLst>
   <p:sldSz cx="12192000" cy="6858000"/>
   <p:notesSz cx="6858000" cy="9144000"/>
@@ -216,7 +217,7 @@
           <a:p>
             <a:fld id="{C2E15B94-D9E4-E149-8081-23A720D1EE5F}" type="datetimeFigureOut">
               <a:rPr lang="en-US" smtClean="0"/>
-              <a:t>2/4/22</a:t>
+              <a:t>2/8/22</a:t>
             </a:fld>
             <a:endParaRPr lang="en-US"/>
           </a:p>
@@ -714,7 +715,7 @@
           <a:p>
             <a:fld id="{FBD852D7-E694-214E-8A12-510E0A0329D2}" type="datetimeFigureOut">
               <a:rPr lang="en-US" smtClean="0"/>
-              <a:t>2/4/22</a:t>
+              <a:t>2/8/22</a:t>
             </a:fld>
             <a:endParaRPr lang="en-US"/>
           </a:p>
@@ -912,7 +913,7 @@
           <a:p>
             <a:fld id="{FBD852D7-E694-214E-8A12-510E0A0329D2}" type="datetimeFigureOut">
               <a:rPr lang="en-US" smtClean="0"/>
-              <a:t>2/4/22</a:t>
+              <a:t>2/8/22</a:t>
             </a:fld>
             <a:endParaRPr lang="en-US"/>
           </a:p>
@@ -1120,7 +1121,7 @@
           <a:p>
             <a:fld id="{FBD852D7-E694-214E-8A12-510E0A0329D2}" type="datetimeFigureOut">
               <a:rPr lang="en-US" smtClean="0"/>
-              <a:t>2/4/22</a:t>
+              <a:t>2/8/22</a:t>
             </a:fld>
             <a:endParaRPr lang="en-US"/>
           </a:p>
@@ -1318,7 +1319,7 @@
           <a:p>
             <a:fld id="{FBD852D7-E694-214E-8A12-510E0A0329D2}" type="datetimeFigureOut">
               <a:rPr lang="en-US" smtClean="0"/>
-              <a:t>2/4/22</a:t>
+              <a:t>2/8/22</a:t>
             </a:fld>
             <a:endParaRPr lang="en-US"/>
           </a:p>
@@ -1593,7 +1594,7 @@
           <a:p>
             <a:fld id="{FBD852D7-E694-214E-8A12-510E0A0329D2}" type="datetimeFigureOut">
               <a:rPr lang="en-US" smtClean="0"/>
-              <a:t>2/4/22</a:t>
+              <a:t>2/8/22</a:t>
             </a:fld>
             <a:endParaRPr lang="en-US"/>
           </a:p>
@@ -1858,7 +1859,7 @@
           <a:p>
             <a:fld id="{FBD852D7-E694-214E-8A12-510E0A0329D2}" type="datetimeFigureOut">
               <a:rPr lang="en-US" smtClean="0"/>
-              <a:t>2/4/22</a:t>
+              <a:t>2/8/22</a:t>
             </a:fld>
             <a:endParaRPr lang="en-US"/>
           </a:p>
@@ -2270,7 +2271,7 @@
           <a:p>
             <a:fld id="{FBD852D7-E694-214E-8A12-510E0A0329D2}" type="datetimeFigureOut">
               <a:rPr lang="en-US" smtClean="0"/>
-              <a:t>2/4/22</a:t>
+              <a:t>2/8/22</a:t>
             </a:fld>
             <a:endParaRPr lang="en-US"/>
           </a:p>
@@ -2411,7 +2412,7 @@
           <a:p>
             <a:fld id="{FBD852D7-E694-214E-8A12-510E0A0329D2}" type="datetimeFigureOut">
               <a:rPr lang="en-US" smtClean="0"/>
-              <a:t>2/4/22</a:t>
+              <a:t>2/8/22</a:t>
             </a:fld>
             <a:endParaRPr lang="en-US"/>
           </a:p>
@@ -2524,7 +2525,7 @@
           <a:p>
             <a:fld id="{FBD852D7-E694-214E-8A12-510E0A0329D2}" type="datetimeFigureOut">
               <a:rPr lang="en-US" smtClean="0"/>
-              <a:t>2/4/22</a:t>
+              <a:t>2/8/22</a:t>
             </a:fld>
             <a:endParaRPr lang="en-US"/>
           </a:p>
@@ -2835,7 +2836,7 @@
           <a:p>
             <a:fld id="{FBD852D7-E694-214E-8A12-510E0A0329D2}" type="datetimeFigureOut">
               <a:rPr lang="en-US" smtClean="0"/>
-              <a:t>2/4/22</a:t>
+              <a:t>2/8/22</a:t>
             </a:fld>
             <a:endParaRPr lang="en-US"/>
           </a:p>
@@ -3123,7 +3124,7 @@
           <a:p>
             <a:fld id="{FBD852D7-E694-214E-8A12-510E0A0329D2}" type="datetimeFigureOut">
               <a:rPr lang="en-US" smtClean="0"/>
-              <a:t>2/4/22</a:t>
+              <a:t>2/8/22</a:t>
             </a:fld>
             <a:endParaRPr lang="en-US"/>
           </a:p>
@@ -3364,7 +3365,7 @@
           <a:p>
             <a:fld id="{FBD852D7-E694-214E-8A12-510E0A0329D2}" type="datetimeFigureOut">
               <a:rPr lang="en-US" smtClean="0"/>
-              <a:t>2/4/22</a:t>
+              <a:t>2/8/22</a:t>
             </a:fld>
             <a:endParaRPr lang="en-US"/>
           </a:p>
@@ -9734,6 +9735,264 @@
     <p:extLst>
       <p:ext uri="{BB962C8B-B14F-4D97-AF65-F5344CB8AC3E}">
         <p14:creationId xmlns:p14="http://schemas.microsoft.com/office/powerpoint/2010/main" val="1736800069"/>
+      </p:ext>
+    </p:extLst>
+  </p:cSld>
+  <p:clrMapOvr>
+    <a:masterClrMapping/>
+  </p:clrMapOvr>
+</p:sld>
+</file>
+
+<file path=ppt/slides/slide21.xml><?xml version="1.0" encoding="utf-8"?>
+<p:sld xmlns:a="http://schemas.openxmlformats.org/drawingml/2006/main" xmlns:r="http://schemas.openxmlformats.org/officeDocument/2006/relationships" xmlns:p="http://schemas.openxmlformats.org/presentationml/2006/main">
+  <p:cSld>
+    <p:spTree>
+      <p:nvGrpSpPr>
+        <p:cNvPr id="1" name=""/>
+        <p:cNvGrpSpPr/>
+        <p:nvPr/>
+      </p:nvGrpSpPr>
+      <p:grpSpPr>
+        <a:xfrm>
+          <a:off x="0" y="0"/>
+          <a:ext cx="0" cy="0"/>
+          <a:chOff x="0" y="0"/>
+          <a:chExt cx="0" cy="0"/>
+        </a:xfrm>
+      </p:grpSpPr>
+      <p:sp>
+        <p:nvSpPr>
+          <p:cNvPr id="2" name="TextBox 1">
+            <a:extLst>
+              <a:ext uri="{FF2B5EF4-FFF2-40B4-BE49-F238E27FC236}">
+                <a16:creationId xmlns:a16="http://schemas.microsoft.com/office/drawing/2014/main" id="{E6586F4F-F534-804A-84D2-41324A34CA39}"/>
+              </a:ext>
+            </a:extLst>
+          </p:cNvPr>
+          <p:cNvSpPr txBox="1"/>
+          <p:nvPr/>
+        </p:nvSpPr>
+        <p:spPr>
+          <a:xfrm>
+            <a:off x="1395167" y="1198890"/>
+            <a:ext cx="6843860" cy="4832092"/>
+          </a:xfrm>
+          <a:prstGeom prst="rect">
+            <a:avLst/>
+          </a:prstGeom>
+          <a:noFill/>
+        </p:spPr>
+        <p:txBody>
+          <a:bodyPr wrap="square" rtlCol="0">
+            <a:spAutoFit/>
+          </a:bodyPr>
+          <a:lstStyle/>
+          <a:p>
+            <a:r>
+              <a:rPr lang="en-US" sz="1400"/>
+              <a:t>===========================================</a:t>
+            </a:r>
+          </a:p>
+          <a:p>
+            <a:r>
+              <a:rPr lang="en-US" sz="1400"/>
+              <a:t>no foreign key</a:t>
+            </a:r>
+          </a:p>
+          <a:p>
+            <a:r>
+              <a:rPr lang="en-US" sz="1400"/>
+              <a:t>===========================================</a:t>
+            </a:r>
+          </a:p>
+          <a:p>
+            <a:r>
+              <a:rPr lang="en-US" sz="1400"/>
+              <a:t>no triggers</a:t>
+            </a:r>
+          </a:p>
+          <a:p>
+            <a:r>
+              <a:rPr lang="en-US" sz="1400"/>
+              <a:t>===========================================</a:t>
+            </a:r>
+          </a:p>
+          <a:p>
+            <a:r>
+              <a:rPr lang="en-US" sz="1400"/>
+              <a:t>FROM clause in UPDATE and DELETE statement cannot contain subquery sources or joins</a:t>
+            </a:r>
+          </a:p>
+          <a:p>
+            <a:r>
+              <a:rPr lang="en-US" sz="1400"/>
+              <a:t>(you can not use words "INNER JOIN" ...). </a:t>
+            </a:r>
+          </a:p>
+          <a:p>
+            <a:r>
+              <a:rPr lang="en-US" sz="1400"/>
+              <a:t>But this old Sybase syntax works:</a:t>
+            </a:r>
+          </a:p>
+          <a:p>
+            <a:endParaRPr lang="en-US" sz="1400"/>
+          </a:p>
+          <a:p>
+            <a:r>
+              <a:rPr lang="en-US" sz="1200">
+                <a:solidFill>
+                  <a:srgbClr val="0070C0"/>
+                </a:solidFill>
+                <a:latin typeface="Menlo" panose="020B0609030804020204" pitchFamily="49" charset="0"/>
+                <a:ea typeface="Menlo" panose="020B0609030804020204" pitchFamily="49" charset="0"/>
+                <a:cs typeface="Menlo" panose="020B0609030804020204" pitchFamily="49" charset="0"/>
+              </a:rPr>
+              <a:t>update t1</a:t>
+            </a:r>
+          </a:p>
+          <a:p>
+            <a:r>
+              <a:rPr lang="en-US" sz="1200">
+                <a:solidFill>
+                  <a:srgbClr val="0070C0"/>
+                </a:solidFill>
+                <a:latin typeface="Menlo" panose="020B0609030804020204" pitchFamily="49" charset="0"/>
+                <a:ea typeface="Menlo" panose="020B0609030804020204" pitchFamily="49" charset="0"/>
+                <a:cs typeface="Menlo" panose="020B0609030804020204" pitchFamily="49" charset="0"/>
+              </a:rPr>
+              <a:t>set t1.mycol = 1</a:t>
+            </a:r>
+          </a:p>
+          <a:p>
+            <a:r>
+              <a:rPr lang="en-US" sz="1200">
+                <a:solidFill>
+                  <a:srgbClr val="0070C0"/>
+                </a:solidFill>
+                <a:latin typeface="Menlo" panose="020B0609030804020204" pitchFamily="49" charset="0"/>
+                <a:ea typeface="Menlo" panose="020B0609030804020204" pitchFamily="49" charset="0"/>
+                <a:cs typeface="Menlo" panose="020B0609030804020204" pitchFamily="49" charset="0"/>
+              </a:rPr>
+              <a:t>from t1, t2</a:t>
+            </a:r>
+          </a:p>
+          <a:p>
+            <a:r>
+              <a:rPr lang="en-US" sz="1200">
+                <a:solidFill>
+                  <a:srgbClr val="0070C0"/>
+                </a:solidFill>
+                <a:latin typeface="Menlo" panose="020B0609030804020204" pitchFamily="49" charset="0"/>
+                <a:ea typeface="Menlo" panose="020B0609030804020204" pitchFamily="49" charset="0"/>
+                <a:cs typeface="Menlo" panose="020B0609030804020204" pitchFamily="49" charset="0"/>
+              </a:rPr>
+              <a:t>where t2.cust_id = t1.cust_id</a:t>
+            </a:r>
+          </a:p>
+          <a:p>
+            <a:r>
+              <a:rPr lang="en-US" sz="1200">
+                <a:solidFill>
+                  <a:srgbClr val="0070C0"/>
+                </a:solidFill>
+                <a:latin typeface="Menlo" panose="020B0609030804020204" pitchFamily="49" charset="0"/>
+                <a:ea typeface="Menlo" panose="020B0609030804020204" pitchFamily="49" charset="0"/>
+                <a:cs typeface="Menlo" panose="020B0609030804020204" pitchFamily="49" charset="0"/>
+              </a:rPr>
+              <a:t>and t2.country = 'Norway'</a:t>
+            </a:r>
+          </a:p>
+          <a:p>
+            <a:endParaRPr lang="en-US" sz="1400"/>
+          </a:p>
+          <a:p>
+            <a:r>
+              <a:rPr lang="en-US" sz="1400"/>
+              <a:t>===========================================</a:t>
+            </a:r>
+          </a:p>
+          <a:p>
+            <a:r>
+              <a:rPr lang="en-US" sz="1400"/>
+              <a:t>can not imbed .NET (so no regular expressions)</a:t>
+            </a:r>
+          </a:p>
+          <a:p>
+            <a:r>
+              <a:rPr lang="en-US" sz="1400"/>
+              <a:t>===========================================</a:t>
+            </a:r>
+          </a:p>
+          <a:p>
+            <a:r>
+              <a:rPr lang="en-US" sz="1400"/>
+              <a:t>Note: before Synapse there was a tool "Scope" ( pay per query on data lake using C# )</a:t>
+            </a:r>
+          </a:p>
+          <a:p>
+            <a:r>
+              <a:rPr lang="en-US" sz="1400"/>
+              <a:t>It had a language U-SQL (SQL +.NET)</a:t>
+            </a:r>
+          </a:p>
+          <a:p>
+            <a:endParaRPr lang="en-US" sz="1400"/>
+          </a:p>
+          <a:p>
+            <a:r>
+              <a:rPr lang="en-US" sz="1000">
+                <a:hlinkClick r:id="rId2"/>
+              </a:rPr>
+              <a:t>https://docs.microsoft.com/en-us/sql/integration-services/control-flow/azure-data-lake-analytics-task?view=sql-server-ver15</a:t>
+            </a:r>
+            <a:endParaRPr lang="en-US" sz="1000"/>
+          </a:p>
+          <a:p>
+            <a:endParaRPr lang="en-US" sz="1400"/>
+          </a:p>
+        </p:txBody>
+      </p:sp>
+      <p:sp>
+        <p:nvSpPr>
+          <p:cNvPr id="3" name="TextBox 2">
+            <a:extLst>
+              <a:ext uri="{FF2B5EF4-FFF2-40B4-BE49-F238E27FC236}">
+                <a16:creationId xmlns:a16="http://schemas.microsoft.com/office/drawing/2014/main" id="{BB7FA128-ED60-EE41-A653-BBDC3E86857B}"/>
+              </a:ext>
+            </a:extLst>
+          </p:cNvPr>
+          <p:cNvSpPr txBox="1"/>
+          <p:nvPr/>
+        </p:nvSpPr>
+        <p:spPr>
+          <a:xfrm>
+            <a:off x="131975" y="94268"/>
+            <a:ext cx="2262433" cy="369332"/>
+          </a:xfrm>
+          <a:prstGeom prst="rect">
+            <a:avLst/>
+          </a:prstGeom>
+          <a:noFill/>
+        </p:spPr>
+        <p:txBody>
+          <a:bodyPr wrap="square" rtlCol="0">
+            <a:spAutoFit/>
+          </a:bodyPr>
+          <a:lstStyle/>
+          <a:p>
+            <a:r>
+              <a:rPr lang="en-US"/>
+              <a:t>SQL in Azure DW</a:t>
+            </a:r>
+          </a:p>
+        </p:txBody>
+      </p:sp>
+    </p:spTree>
+    <p:extLst>
+      <p:ext uri="{BB962C8B-B14F-4D97-AF65-F5344CB8AC3E}">
+        <p14:creationId xmlns:p14="http://schemas.microsoft.com/office/powerpoint/2010/main" val="1845595228"/>
       </p:ext>
     </p:extLst>
   </p:cSld>
